--- a/loghome-app-frontend/启动图 19201080.pptx
+++ b/loghome-app-frontend/启动图 19201080.pptx
@@ -255,7 +255,7 @@
           <a:p>
             <a:fld id="{657DBD1E-E1DF-4A86-ACAD-71C5B32CFCCB}" type="datetimeFigureOut">
               <a:rPr lang="zh-CN" altLang="en-US" smtClean="0"/>
-              <a:t>2022/12/11</a:t>
+              <a:t>2025/2/7</a:t>
             </a:fld>
             <a:endParaRPr lang="zh-CN" altLang="en-US"/>
           </a:p>
@@ -425,7 +425,7 @@
           <a:p>
             <a:fld id="{657DBD1E-E1DF-4A86-ACAD-71C5B32CFCCB}" type="datetimeFigureOut">
               <a:rPr lang="zh-CN" altLang="en-US" smtClean="0"/>
-              <a:t>2022/12/11</a:t>
+              <a:t>2025/2/7</a:t>
             </a:fld>
             <a:endParaRPr lang="zh-CN" altLang="en-US"/>
           </a:p>
@@ -605,7 +605,7 @@
           <a:p>
             <a:fld id="{657DBD1E-E1DF-4A86-ACAD-71C5B32CFCCB}" type="datetimeFigureOut">
               <a:rPr lang="zh-CN" altLang="en-US" smtClean="0"/>
-              <a:t>2022/12/11</a:t>
+              <a:t>2025/2/7</a:t>
             </a:fld>
             <a:endParaRPr lang="zh-CN" altLang="en-US"/>
           </a:p>
@@ -775,7 +775,7 @@
           <a:p>
             <a:fld id="{657DBD1E-E1DF-4A86-ACAD-71C5B32CFCCB}" type="datetimeFigureOut">
               <a:rPr lang="zh-CN" altLang="en-US" smtClean="0"/>
-              <a:t>2022/12/11</a:t>
+              <a:t>2025/2/7</a:t>
             </a:fld>
             <a:endParaRPr lang="zh-CN" altLang="en-US"/>
           </a:p>
@@ -1019,7 +1019,7 @@
           <a:p>
             <a:fld id="{657DBD1E-E1DF-4A86-ACAD-71C5B32CFCCB}" type="datetimeFigureOut">
               <a:rPr lang="zh-CN" altLang="en-US" smtClean="0"/>
-              <a:t>2022/12/11</a:t>
+              <a:t>2025/2/7</a:t>
             </a:fld>
             <a:endParaRPr lang="zh-CN" altLang="en-US"/>
           </a:p>
@@ -1251,7 +1251,7 @@
           <a:p>
             <a:fld id="{657DBD1E-E1DF-4A86-ACAD-71C5B32CFCCB}" type="datetimeFigureOut">
               <a:rPr lang="zh-CN" altLang="en-US" smtClean="0"/>
-              <a:t>2022/12/11</a:t>
+              <a:t>2025/2/7</a:t>
             </a:fld>
             <a:endParaRPr lang="zh-CN" altLang="en-US"/>
           </a:p>
@@ -1618,7 +1618,7 @@
           <a:p>
             <a:fld id="{657DBD1E-E1DF-4A86-ACAD-71C5B32CFCCB}" type="datetimeFigureOut">
               <a:rPr lang="zh-CN" altLang="en-US" smtClean="0"/>
-              <a:t>2022/12/11</a:t>
+              <a:t>2025/2/7</a:t>
             </a:fld>
             <a:endParaRPr lang="zh-CN" altLang="en-US"/>
           </a:p>
@@ -1736,7 +1736,7 @@
           <a:p>
             <a:fld id="{657DBD1E-E1DF-4A86-ACAD-71C5B32CFCCB}" type="datetimeFigureOut">
               <a:rPr lang="zh-CN" altLang="en-US" smtClean="0"/>
-              <a:t>2022/12/11</a:t>
+              <a:t>2025/2/7</a:t>
             </a:fld>
             <a:endParaRPr lang="zh-CN" altLang="en-US"/>
           </a:p>
@@ -1831,7 +1831,7 @@
           <a:p>
             <a:fld id="{657DBD1E-E1DF-4A86-ACAD-71C5B32CFCCB}" type="datetimeFigureOut">
               <a:rPr lang="zh-CN" altLang="en-US" smtClean="0"/>
-              <a:t>2022/12/11</a:t>
+              <a:t>2025/2/7</a:t>
             </a:fld>
             <a:endParaRPr lang="zh-CN" altLang="en-US"/>
           </a:p>
@@ -2108,7 +2108,7 @@
           <a:p>
             <a:fld id="{657DBD1E-E1DF-4A86-ACAD-71C5B32CFCCB}" type="datetimeFigureOut">
               <a:rPr lang="zh-CN" altLang="en-US" smtClean="0"/>
-              <a:t>2022/12/11</a:t>
+              <a:t>2025/2/7</a:t>
             </a:fld>
             <a:endParaRPr lang="zh-CN" altLang="en-US"/>
           </a:p>
@@ -2365,7 +2365,7 @@
           <a:p>
             <a:fld id="{657DBD1E-E1DF-4A86-ACAD-71C5B32CFCCB}" type="datetimeFigureOut">
               <a:rPr lang="zh-CN" altLang="en-US" smtClean="0"/>
-              <a:t>2022/12/11</a:t>
+              <a:t>2025/2/7</a:t>
             </a:fld>
             <a:endParaRPr lang="zh-CN" altLang="en-US"/>
           </a:p>
@@ -2578,7 +2578,7 @@
           <a:p>
             <a:fld id="{657DBD1E-E1DF-4A86-ACAD-71C5B32CFCCB}" type="datetimeFigureOut">
               <a:rPr lang="zh-CN" altLang="en-US" smtClean="0"/>
-              <a:t>2022/12/11</a:t>
+              <a:t>2025/2/7</a:t>
             </a:fld>
             <a:endParaRPr lang="zh-CN" altLang="en-US"/>
           </a:p>
@@ -3273,36 +3273,6 @@
       </p:grpSpPr>
       <p:pic>
         <p:nvPicPr>
-          <p:cNvPr id="3" name="图片 2">
-            <a:extLst>
-              <a:ext uri="{FF2B5EF4-FFF2-40B4-BE49-F238E27FC236}">
-                <a16:creationId xmlns:a16="http://schemas.microsoft.com/office/drawing/2014/main" id="{488611AC-6E61-CC2F-9B63-D9BA0714921D}"/>
-              </a:ext>
-            </a:extLst>
-          </p:cNvPr>
-          <p:cNvPicPr>
-            <a:picLocks noChangeAspect="1"/>
-          </p:cNvPicPr>
-          <p:nvPr/>
-        </p:nvPicPr>
-        <p:blipFill>
-          <a:blip r:embed="rId2"/>
-          <a:stretch>
-            <a:fillRect/>
-          </a:stretch>
-        </p:blipFill>
-        <p:spPr>
-          <a:xfrm>
-            <a:off x="2660345" y="11333463"/>
-            <a:ext cx="2908910" cy="2320254"/>
-          </a:xfrm>
-          <a:prstGeom prst="rect">
-            <a:avLst/>
-          </a:prstGeom>
-        </p:spPr>
-      </p:pic>
-      <p:pic>
-        <p:nvPicPr>
           <p:cNvPr id="10" name="图片 9" descr="图片包含 玩具, 乐高, 板子, 黑暗&#10;&#10;描述已自动生成">
             <a:extLst>
               <a:ext uri="{FF2B5EF4-FFF2-40B4-BE49-F238E27FC236}">
@@ -3316,7 +3286,7 @@
           <p:nvPr/>
         </p:nvPicPr>
         <p:blipFill>
-          <a:blip r:embed="rId3">
+          <a:blip r:embed="rId2">
             <a:extLst>
               <a:ext uri="{28A0092B-C50C-407E-A947-70E740481C1C}">
                 <a14:useLocalDpi xmlns:a14="http://schemas.microsoft.com/office/drawing/2010/main" val="0"/>
@@ -3329,8 +3299,38 @@
         </p:blipFill>
         <p:spPr>
           <a:xfrm>
-            <a:off x="1175848" y="521021"/>
+            <a:off x="1175848" y="796412"/>
             <a:ext cx="5877904" cy="10812442"/>
+          </a:xfrm>
+          <a:prstGeom prst="rect">
+            <a:avLst/>
+          </a:prstGeom>
+        </p:spPr>
+      </p:pic>
+      <p:pic>
+        <p:nvPicPr>
+          <p:cNvPr id="11" name="图片 10">
+            <a:extLst>
+              <a:ext uri="{FF2B5EF4-FFF2-40B4-BE49-F238E27FC236}">
+                <a16:creationId xmlns:a16="http://schemas.microsoft.com/office/drawing/2014/main" id="{80FD058A-9C6A-46F6-A2F8-B704C9F436D0}"/>
+              </a:ext>
+            </a:extLst>
+          </p:cNvPr>
+          <p:cNvPicPr>
+            <a:picLocks noChangeAspect="1"/>
+          </p:cNvPicPr>
+          <p:nvPr/>
+        </p:nvPicPr>
+        <p:blipFill>
+          <a:blip r:embed="rId3"/>
+          <a:stretch>
+            <a:fillRect/>
+          </a:stretch>
+        </p:blipFill>
+        <p:spPr>
+          <a:xfrm>
+            <a:off x="2534086" y="12379987"/>
+            <a:ext cx="3161427" cy="957300"/>
           </a:xfrm>
           <a:prstGeom prst="rect">
             <a:avLst/>
